--- a/fuentes/contenidos/grado07/guion07/MapaConceptualLE_07_07_CO.pptx
+++ b/fuentes/contenidos/grado07/guion07/MapaConceptualLE_07_07_CO.pptx
@@ -450,7 +450,7 @@
           <a:p>
             <a:fld id="{5001C876-01F7-4317-94B9-1AE222133113}" type="datetimeFigureOut">
               <a:rPr lang="es-ES" smtClean="0"/>
-              <a:t>22/12/2015</a:t>
+              <a:t>07/01/2016</a:t>
             </a:fld>
             <a:endParaRPr lang="es-ES"/>
           </a:p>
@@ -3740,7 +3740,27 @@
                 <a:latin typeface="Arial" panose="020B0604020202020204" pitchFamily="34" charset="0"/>
                 <a:cs typeface="Arial" panose="020B0604020202020204" pitchFamily="34" charset="0"/>
               </a:rPr>
-              <a:t> de julio Verne</a:t>
+              <a:t> de </a:t>
+            </a:r>
+            <a:r>
+              <a:rPr lang="es-ES" sz="800" dirty="0" smtClean="0">
+                <a:solidFill>
+                  <a:schemeClr val="tx1"/>
+                </a:solidFill>
+                <a:latin typeface="Arial" panose="020B0604020202020204" pitchFamily="34" charset="0"/>
+                <a:cs typeface="Arial" panose="020B0604020202020204" pitchFamily="34" charset="0"/>
+              </a:rPr>
+              <a:t>Julio </a:t>
+            </a:r>
+            <a:r>
+              <a:rPr lang="es-ES" sz="800" dirty="0" smtClean="0">
+                <a:solidFill>
+                  <a:schemeClr val="tx1"/>
+                </a:solidFill>
+                <a:latin typeface="Arial" panose="020B0604020202020204" pitchFamily="34" charset="0"/>
+                <a:cs typeface="Arial" panose="020B0604020202020204" pitchFamily="34" charset="0"/>
+              </a:rPr>
+              <a:t>Verne</a:t>
             </a:r>
           </a:p>
           <a:p>
